--- a/Aerospace Dynamics -postertemplate2017.pptx
+++ b/Aerospace Dynamics -postertemplate2017.pptx
@@ -14,11 +14,11 @@
   <p:notesSz cx="9928225" cy="14357350"/>
   <p:embeddedFontLst>
     <p:embeddedFont>
-      <p:font typeface="DefusedRegular" panose="00000400000000000000" pitchFamily="2" charset="0"/>
+      <p:font typeface="DefusedRegular"/>
       <p:regular r:id="rId4"/>
     </p:embeddedFont>
     <p:embeddedFont>
-      <p:font typeface="Calibri" panose="020F0502020204030204" pitchFamily="34" charset="0"/>
+      <p:font typeface="Calibri" pitchFamily="34" charset="0"/>
       <p:regular r:id="rId5"/>
       <p:bold r:id="rId6"/>
       <p:italic r:id="rId7"/>
@@ -206,7 +206,7 @@
             <a:fld id="{1595E3B5-F145-4E7E-B159-129B73EF8BF4}" type="datetimeFigureOut">
               <a:rPr lang="en-GB" smtClean="0"/>
               <a:pPr/>
-              <a:t>26/07/2017</a:t>
+              <a:t>22/08/2017</a:t>
             </a:fld>
             <a:endParaRPr lang="en-GB"/>
           </a:p>
@@ -1708,7 +1708,7 @@
         </p:nvSpPr>
         <p:spPr>
           <a:xfrm>
-            <a:off x="2080320" y="192088"/>
+            <a:off x="1720280" y="154839"/>
             <a:ext cx="10359400" cy="828000"/>
           </a:xfrm>
         </p:spPr>
@@ -1717,8 +1717,19 @@
           <a:lstStyle/>
           <a:p>
             <a:r>
-              <a:rPr lang="en-US" dirty="0" smtClean="0"/>
-              <a:t>Type Your Title Here – Keep it short and punchy</a:t>
+              <a:rPr lang="en-GB" dirty="0" smtClean="0"/>
+              <a:t>Wing twist morphing featuring a</a:t>
+            </a:r>
+            <a:br>
+              <a:rPr lang="en-GB" dirty="0" smtClean="0"/>
+            </a:br>
+            <a:r>
+              <a:rPr lang="en-GB" dirty="0" smtClean="0"/>
+              <a:t>compliant chiral spar </a:t>
+            </a:r>
+            <a:r>
+              <a:rPr lang="en-GB" dirty="0" err="1" smtClean="0"/>
+              <a:t>desing</a:t>
             </a:r>
             <a:endParaRPr lang="en-GB" dirty="0"/>
           </a:p>
@@ -1774,7 +1785,11 @@
           <a:p>
             <a:r>
               <a:rPr lang="en-GB" dirty="0" smtClean="0"/>
-              <a:t>Type your name here</a:t>
+              <a:t>Alejandro </a:t>
+            </a:r>
+            <a:r>
+              <a:rPr lang="en-GB" dirty="0" err="1" smtClean="0"/>
+              <a:t>Valverde</a:t>
             </a:r>
             <a:endParaRPr lang="en-GB" dirty="0"/>
           </a:p>
@@ -1967,16 +1982,41 @@
           <a:lstStyle/>
           <a:p>
             <a:r>
-              <a:rPr lang="en-GB" dirty="0" smtClean="0"/>
-              <a:t>Supervisor – Supervisor’s name here</a:t>
-            </a:r>
-          </a:p>
-          <a:p>
-            <a:r>
-              <a:rPr lang="en-GB" dirty="0" smtClean="0"/>
-              <a:t>	 Supervisor’s name here</a:t>
-            </a:r>
-            <a:endParaRPr lang="en-GB" dirty="0"/>
+              <a:rPr lang="en-GB" sz="1600" dirty="0" smtClean="0"/>
+              <a:t>Supervisor – </a:t>
+            </a:r>
+            <a:r>
+              <a:rPr lang="en-GB" sz="1600" dirty="0" err="1" smtClean="0"/>
+              <a:t>Dr.</a:t>
+            </a:r>
+            <a:r>
+              <a:rPr lang="en-GB" sz="1600" dirty="0" smtClean="0"/>
+              <a:t> Simon Prince (</a:t>
+            </a:r>
+            <a:r>
+              <a:rPr lang="en-GB" sz="1600" dirty="0" err="1" smtClean="0"/>
+              <a:t>Cranfield</a:t>
+            </a:r>
+            <a:r>
+              <a:rPr lang="en-GB" sz="1600" dirty="0" smtClean="0"/>
+              <a:t>)</a:t>
+            </a:r>
+            <a:endParaRPr lang="en-GB" sz="1600" dirty="0" smtClean="0"/>
+          </a:p>
+          <a:p>
+            <a:r>
+              <a:rPr lang="en-GB" sz="1600" dirty="0" smtClean="0"/>
+              <a:t>Advisor – Falk </a:t>
+            </a:r>
+            <a:r>
+              <a:rPr lang="en-GB" sz="1600" dirty="0" err="1" smtClean="0"/>
+              <a:t>Runkel</a:t>
+            </a:r>
+            <a:r>
+              <a:rPr lang="en-GB" sz="1600" dirty="0" smtClean="0"/>
+              <a:t> (ETH) </a:t>
+            </a:r>
+            <a:endParaRPr lang="en-GB" sz="1600" dirty="0"/>
           </a:p>
         </p:txBody>
       </p:sp>
@@ -2009,6 +2049,66 @@
           </a:p>
         </p:txBody>
       </p:sp>
+      <p:pic>
+        <p:nvPicPr>
+          <p:cNvPr id="2" name="Picture 1"/>
+          <p:cNvPicPr>
+            <a:picLocks noChangeAspect="1"/>
+          </p:cNvPicPr>
+          <p:nvPr/>
+        </p:nvPicPr>
+        <p:blipFill>
+          <a:blip r:embed="rId2" cstate="print">
+            <a:extLst>
+              <a:ext uri="{28A0092B-C50C-407E-A947-70E740481C1C}">
+                <a14:useLocalDpi xmlns:a14="http://schemas.microsoft.com/office/drawing/2010/main" val="0"/>
+              </a:ext>
+            </a:extLst>
+          </a:blip>
+          <a:stretch>
+            <a:fillRect/>
+          </a:stretch>
+        </p:blipFill>
+        <p:spPr>
+          <a:xfrm>
+            <a:off x="9065096" y="192445"/>
+            <a:ext cx="3456384" cy="926503"/>
+          </a:xfrm>
+          <a:prstGeom prst="rect">
+            <a:avLst/>
+          </a:prstGeom>
+        </p:spPr>
+      </p:pic>
+      <p:pic>
+        <p:nvPicPr>
+          <p:cNvPr id="3" name="Picture 2"/>
+          <p:cNvPicPr>
+            <a:picLocks noChangeAspect="1"/>
+          </p:cNvPicPr>
+          <p:nvPr/>
+        </p:nvPicPr>
+        <p:blipFill>
+          <a:blip r:embed="rId3" cstate="print">
+            <a:extLst>
+              <a:ext uri="{28A0092B-C50C-407E-A947-70E740481C1C}">
+                <a14:useLocalDpi xmlns:a14="http://schemas.microsoft.com/office/drawing/2010/main" val="0"/>
+              </a:ext>
+            </a:extLst>
+          </a:blip>
+          <a:stretch>
+            <a:fillRect/>
+          </a:stretch>
+        </p:blipFill>
+        <p:spPr>
+          <a:xfrm>
+            <a:off x="640160" y="5232648"/>
+            <a:ext cx="3124200" cy="1933575"/>
+          </a:xfrm>
+          <a:prstGeom prst="rect">
+            <a:avLst/>
+          </a:prstGeom>
+        </p:spPr>
+      </p:pic>
     </p:spTree>
     <p:extLst>
       <p:ext uri="{BB962C8B-B14F-4D97-AF65-F5344CB8AC3E}">

--- a/Aerospace Dynamics -postertemplate2017.pptx
+++ b/Aerospace Dynamics -postertemplate2017.pptx
@@ -14,11 +14,11 @@
   <p:notesSz cx="9928225" cy="14357350"/>
   <p:embeddedFontLst>
     <p:embeddedFont>
-      <p:font typeface="DefusedRegular"/>
+      <p:font typeface="DefusedRegular" panose="00000400000000000000" pitchFamily="2" charset="0"/>
       <p:regular r:id="rId4"/>
     </p:embeddedFont>
     <p:embeddedFont>
-      <p:font typeface="Calibri" pitchFamily="34" charset="0"/>
+      <p:font typeface="Calibri" panose="020F0502020204030204" pitchFamily="34" charset="0"/>
       <p:regular r:id="rId5"/>
       <p:bold r:id="rId6"/>
       <p:italic r:id="rId7"/>
@@ -206,7 +206,7 @@
             <a:fld id="{1595E3B5-F145-4E7E-B159-129B73EF8BF4}" type="datetimeFigureOut">
               <a:rPr lang="en-GB" smtClean="0"/>
               <a:pPr/>
-              <a:t>22/08/2017</a:t>
+              <a:t>26/07/2017</a:t>
             </a:fld>
             <a:endParaRPr lang="en-GB"/>
           </a:p>
@@ -1708,7 +1708,7 @@
         </p:nvSpPr>
         <p:spPr>
           <a:xfrm>
-            <a:off x="1720280" y="154839"/>
+            <a:off x="2080320" y="192088"/>
             <a:ext cx="10359400" cy="828000"/>
           </a:xfrm>
         </p:spPr>
@@ -1717,19 +1717,8 @@
           <a:lstStyle/>
           <a:p>
             <a:r>
-              <a:rPr lang="en-GB" dirty="0" smtClean="0"/>
-              <a:t>Wing twist morphing featuring a</a:t>
-            </a:r>
-            <a:br>
-              <a:rPr lang="en-GB" dirty="0" smtClean="0"/>
-            </a:br>
-            <a:r>
-              <a:rPr lang="en-GB" dirty="0" smtClean="0"/>
-              <a:t>compliant chiral spar </a:t>
-            </a:r>
-            <a:r>
-              <a:rPr lang="en-GB" dirty="0" err="1" smtClean="0"/>
-              <a:t>desing</a:t>
+              <a:rPr lang="en-US" dirty="0" smtClean="0"/>
+              <a:t>Type Your Title Here – Keep it short and punchy</a:t>
             </a:r>
             <a:endParaRPr lang="en-GB" dirty="0"/>
           </a:p>
@@ -1785,11 +1774,7 @@
           <a:p>
             <a:r>
               <a:rPr lang="en-GB" dirty="0" smtClean="0"/>
-              <a:t>Alejandro </a:t>
-            </a:r>
-            <a:r>
-              <a:rPr lang="en-GB" dirty="0" err="1" smtClean="0"/>
-              <a:t>Valverde</a:t>
+              <a:t>Type your name here</a:t>
             </a:r>
             <a:endParaRPr lang="en-GB" dirty="0"/>
           </a:p>
@@ -1982,41 +1967,16 @@
           <a:lstStyle/>
           <a:p>
             <a:r>
-              <a:rPr lang="en-GB" sz="1600" dirty="0" smtClean="0"/>
-              <a:t>Supervisor – </a:t>
-            </a:r>
-            <a:r>
-              <a:rPr lang="en-GB" sz="1600" dirty="0" err="1" smtClean="0"/>
-              <a:t>Dr.</a:t>
-            </a:r>
-            <a:r>
-              <a:rPr lang="en-GB" sz="1600" dirty="0" smtClean="0"/>
-              <a:t> Simon Prince (</a:t>
-            </a:r>
-            <a:r>
-              <a:rPr lang="en-GB" sz="1600" dirty="0" err="1" smtClean="0"/>
-              <a:t>Cranfield</a:t>
-            </a:r>
-            <a:r>
-              <a:rPr lang="en-GB" sz="1600" dirty="0" smtClean="0"/>
-              <a:t>)</a:t>
-            </a:r>
-            <a:endParaRPr lang="en-GB" sz="1600" dirty="0" smtClean="0"/>
-          </a:p>
-          <a:p>
-            <a:r>
-              <a:rPr lang="en-GB" sz="1600" dirty="0" smtClean="0"/>
-              <a:t>Advisor – Falk </a:t>
-            </a:r>
-            <a:r>
-              <a:rPr lang="en-GB" sz="1600" dirty="0" err="1" smtClean="0"/>
-              <a:t>Runkel</a:t>
-            </a:r>
-            <a:r>
-              <a:rPr lang="en-GB" sz="1600" dirty="0" smtClean="0"/>
-              <a:t> (ETH) </a:t>
-            </a:r>
-            <a:endParaRPr lang="en-GB" sz="1600" dirty="0"/>
+              <a:rPr lang="en-GB" dirty="0" smtClean="0"/>
+              <a:t>Supervisor – Supervisor’s name here</a:t>
+            </a:r>
+          </a:p>
+          <a:p>
+            <a:r>
+              <a:rPr lang="en-GB" dirty="0" smtClean="0"/>
+              <a:t>	 Supervisor’s name here</a:t>
+            </a:r>
+            <a:endParaRPr lang="en-GB" dirty="0"/>
           </a:p>
         </p:txBody>
       </p:sp>
@@ -2049,66 +2009,6 @@
           </a:p>
         </p:txBody>
       </p:sp>
-      <p:pic>
-        <p:nvPicPr>
-          <p:cNvPr id="2" name="Picture 1"/>
-          <p:cNvPicPr>
-            <a:picLocks noChangeAspect="1"/>
-          </p:cNvPicPr>
-          <p:nvPr/>
-        </p:nvPicPr>
-        <p:blipFill>
-          <a:blip r:embed="rId2" cstate="print">
-            <a:extLst>
-              <a:ext uri="{28A0092B-C50C-407E-A947-70E740481C1C}">
-                <a14:useLocalDpi xmlns:a14="http://schemas.microsoft.com/office/drawing/2010/main" val="0"/>
-              </a:ext>
-            </a:extLst>
-          </a:blip>
-          <a:stretch>
-            <a:fillRect/>
-          </a:stretch>
-        </p:blipFill>
-        <p:spPr>
-          <a:xfrm>
-            <a:off x="9065096" y="192445"/>
-            <a:ext cx="3456384" cy="926503"/>
-          </a:xfrm>
-          <a:prstGeom prst="rect">
-            <a:avLst/>
-          </a:prstGeom>
-        </p:spPr>
-      </p:pic>
-      <p:pic>
-        <p:nvPicPr>
-          <p:cNvPr id="3" name="Picture 2"/>
-          <p:cNvPicPr>
-            <a:picLocks noChangeAspect="1"/>
-          </p:cNvPicPr>
-          <p:nvPr/>
-        </p:nvPicPr>
-        <p:blipFill>
-          <a:blip r:embed="rId3" cstate="print">
-            <a:extLst>
-              <a:ext uri="{28A0092B-C50C-407E-A947-70E740481C1C}">
-                <a14:useLocalDpi xmlns:a14="http://schemas.microsoft.com/office/drawing/2010/main" val="0"/>
-              </a:ext>
-            </a:extLst>
-          </a:blip>
-          <a:stretch>
-            <a:fillRect/>
-          </a:stretch>
-        </p:blipFill>
-        <p:spPr>
-          <a:xfrm>
-            <a:off x="640160" y="5232648"/>
-            <a:ext cx="3124200" cy="1933575"/>
-          </a:xfrm>
-          <a:prstGeom prst="rect">
-            <a:avLst/>
-          </a:prstGeom>
-        </p:spPr>
-      </p:pic>
     </p:spTree>
     <p:extLst>
       <p:ext uri="{BB962C8B-B14F-4D97-AF65-F5344CB8AC3E}">
